--- a/slides/presentation1_OUTPUT.pptx
+++ b/slides/presentation1_OUTPUT.pptx
@@ -521,6 +521,12 @@
             </a:r>
           </a:p>
           <a:p/>
+          <a:p/>
+          <a:p>
+            <a:r>
+              <a:t>AAAA  CCCC</a:t>
+            </a:r>
+          </a:p>
           <a:p/>
         </p:txBody>
       </p:sp>

--- a/slides/presentation1_OUTPUT.pptx
+++ b/slides/presentation1_OUTPUT.pptx
@@ -198,7 +198,7 @@
           <a:p>
             <a:fld id="{014B4139-9ED6-4A14-A3D3-C92A5417C5ED}" type="datetimeFigureOut">
               <a:rPr lang="en-US" smtClean="0"/>
-              <a:t>5/9/2020</a:t>
+              <a:t>5/12/2020</a:t>
             </a:fld>
             <a:endParaRPr lang="en-US"/>
           </a:p>
@@ -524,7 +524,7 @@
           <a:p/>
           <a:p>
             <a:r>
-              <a:t>AAAA  CCCC</a:t>
+              <a:t>AAAA   CCCC</a:t>
             </a:r>
           </a:p>
           <a:p/>
@@ -611,13 +611,18 @@
           <a:lstStyle/>
           <a:p>
             <a:r>
-              <a:t>Some text </a:t>
+              <a:t>Some text &lt;hide&gt;an inline note&lt;/hide&gt;</a:t>
             </a:r>
           </a:p>
           <a:p/>
           <a:p>
             <a:r>
               <a:t>Another note 1</a:t>
+            </a:r>
+          </a:p>
+          <a:p>
+            <a:r>
+              <a:t>&lt;hide&gt;note&lt;/hide&gt;</a:t>
             </a:r>
           </a:p>
         </p:txBody>
@@ -805,7 +810,7 @@
           <a:p>
             <a:fld id="{2ADDFEF9-9DFE-4231-8EBE-29EC188BD3A9}" type="datetimeFigureOut">
               <a:rPr lang="en-US" smtClean="0"/>
-              <a:t>5/9/2020</a:t>
+              <a:t>5/12/2020</a:t>
             </a:fld>
             <a:endParaRPr lang="en-US"/>
           </a:p>
@@ -1003,7 +1008,7 @@
           <a:p>
             <a:fld id="{2ADDFEF9-9DFE-4231-8EBE-29EC188BD3A9}" type="datetimeFigureOut">
               <a:rPr lang="en-US" smtClean="0"/>
-              <a:t>5/9/2020</a:t>
+              <a:t>5/12/2020</a:t>
             </a:fld>
             <a:endParaRPr lang="en-US"/>
           </a:p>
@@ -1211,7 +1216,7 @@
           <a:p>
             <a:fld id="{2ADDFEF9-9DFE-4231-8EBE-29EC188BD3A9}" type="datetimeFigureOut">
               <a:rPr lang="en-US" smtClean="0"/>
-              <a:t>5/9/2020</a:t>
+              <a:t>5/12/2020</a:t>
             </a:fld>
             <a:endParaRPr lang="en-US"/>
           </a:p>
@@ -1409,7 +1414,7 @@
           <a:p>
             <a:fld id="{2ADDFEF9-9DFE-4231-8EBE-29EC188BD3A9}" type="datetimeFigureOut">
               <a:rPr lang="en-US" smtClean="0"/>
-              <a:t>5/9/2020</a:t>
+              <a:t>5/12/2020</a:t>
             </a:fld>
             <a:endParaRPr lang="en-US"/>
           </a:p>
@@ -1684,7 +1689,7 @@
           <a:p>
             <a:fld id="{2ADDFEF9-9DFE-4231-8EBE-29EC188BD3A9}" type="datetimeFigureOut">
               <a:rPr lang="en-US" smtClean="0"/>
-              <a:t>5/9/2020</a:t>
+              <a:t>5/12/2020</a:t>
             </a:fld>
             <a:endParaRPr lang="en-US"/>
           </a:p>
@@ -1949,7 +1954,7 @@
           <a:p>
             <a:fld id="{2ADDFEF9-9DFE-4231-8EBE-29EC188BD3A9}" type="datetimeFigureOut">
               <a:rPr lang="en-US" smtClean="0"/>
-              <a:t>5/9/2020</a:t>
+              <a:t>5/12/2020</a:t>
             </a:fld>
             <a:endParaRPr lang="en-US"/>
           </a:p>
@@ -2361,7 +2366,7 @@
           <a:p>
             <a:fld id="{2ADDFEF9-9DFE-4231-8EBE-29EC188BD3A9}" type="datetimeFigureOut">
               <a:rPr lang="en-US" smtClean="0"/>
-              <a:t>5/9/2020</a:t>
+              <a:t>5/12/2020</a:t>
             </a:fld>
             <a:endParaRPr lang="en-US"/>
           </a:p>
@@ -2502,7 +2507,7 @@
           <a:p>
             <a:fld id="{2ADDFEF9-9DFE-4231-8EBE-29EC188BD3A9}" type="datetimeFigureOut">
               <a:rPr lang="en-US" smtClean="0"/>
-              <a:t>5/9/2020</a:t>
+              <a:t>5/12/2020</a:t>
             </a:fld>
             <a:endParaRPr lang="en-US"/>
           </a:p>
@@ -2615,7 +2620,7 @@
           <a:p>
             <a:fld id="{2ADDFEF9-9DFE-4231-8EBE-29EC188BD3A9}" type="datetimeFigureOut">
               <a:rPr lang="en-US" smtClean="0"/>
-              <a:t>5/9/2020</a:t>
+              <a:t>5/12/2020</a:t>
             </a:fld>
             <a:endParaRPr lang="en-US"/>
           </a:p>
@@ -2926,7 +2931,7 @@
           <a:p>
             <a:fld id="{2ADDFEF9-9DFE-4231-8EBE-29EC188BD3A9}" type="datetimeFigureOut">
               <a:rPr lang="en-US" smtClean="0"/>
-              <a:t>5/9/2020</a:t>
+              <a:t>5/12/2020</a:t>
             </a:fld>
             <a:endParaRPr lang="en-US"/>
           </a:p>
@@ -3214,7 +3219,7 @@
           <a:p>
             <a:fld id="{2ADDFEF9-9DFE-4231-8EBE-29EC188BD3A9}" type="datetimeFigureOut">
               <a:rPr lang="en-US" smtClean="0"/>
-              <a:t>5/9/2020</a:t>
+              <a:t>5/12/2020</a:t>
             </a:fld>
             <a:endParaRPr lang="en-US"/>
           </a:p>
@@ -3455,7 +3460,7 @@
           <a:p>
             <a:fld id="{2ADDFEF9-9DFE-4231-8EBE-29EC188BD3A9}" type="datetimeFigureOut">
               <a:rPr lang="en-US" smtClean="0"/>
-              <a:t>5/9/2020</a:t>
+              <a:t>5/12/2020</a:t>
             </a:fld>
             <a:endParaRPr lang="en-US"/>
           </a:p>
